--- a/files/TimeScale.pptx
+++ b/files/TimeScale.pptx
@@ -3533,7 +3533,7 @@
             <a:lstStyle/>
             <a:p>
               <a:r>
-                <a:rPr lang="en-US" altLang="ko-KR" sz="4800" dirty="0" err="1">
+                <a:rPr lang="en-US" altLang="ko-KR" sz="4800">
                   <a:solidFill>
                     <a:schemeClr val="accent6">
                       <a:lumMod val="60000"/>
@@ -3543,7 +3543,7 @@
                   <a:latin typeface="배스킨라빈스 R" panose="02020603020101020101" pitchFamily="18" charset="-127"/>
                   <a:ea typeface="배스킨라빈스 R" panose="02020603020101020101" pitchFamily="18" charset="-127"/>
                 </a:rPr>
-                <a:t>Engime</a:t>
+                <a:t>Engine</a:t>
               </a:r>
               <a:r>
                 <a:rPr lang="en-US" altLang="ko-KR" sz="4800" dirty="0" err="1">
